--- a/2D 격투 RPG-2차.pptx
+++ b/2D 격투 RPG-2차.pptx
@@ -291,6 +291,7 @@
           <a:p>
             <a:fld id="{E6DB145F-63AD-48FA-A2DA-0CB78BFEA9BC}" type="datetimeFigureOut">
               <a:rPr lang="ko-KR" altLang="en-US" smtClean="0"/>
+              <a:pPr/>
               <a:t>2025-11-12</a:t>
             </a:fld>
             <a:endParaRPr lang="ko-KR" altLang="en-US"/>
@@ -333,6 +334,7 @@
           <a:p>
             <a:fld id="{CCB90844-E3C8-42BC-A8E7-AB60A439DC68}" type="slidenum">
               <a:rPr lang="ko-KR" altLang="en-US" smtClean="0"/>
+              <a:pPr/>
               <a:t>‹#›</a:t>
             </a:fld>
             <a:endParaRPr lang="ko-KR" altLang="en-US"/>
@@ -456,6 +458,7 @@
           <a:p>
             <a:fld id="{E6DB145F-63AD-48FA-A2DA-0CB78BFEA9BC}" type="datetimeFigureOut">
               <a:rPr lang="ko-KR" altLang="en-US" smtClean="0"/>
+              <a:pPr/>
               <a:t>2025-11-12</a:t>
             </a:fld>
             <a:endParaRPr lang="ko-KR" altLang="en-US"/>
@@ -498,6 +501,7 @@
           <a:p>
             <a:fld id="{CCB90844-E3C8-42BC-A8E7-AB60A439DC68}" type="slidenum">
               <a:rPr lang="ko-KR" altLang="en-US" smtClean="0"/>
+              <a:pPr/>
               <a:t>‹#›</a:t>
             </a:fld>
             <a:endParaRPr lang="ko-KR" altLang="en-US"/>
@@ -631,6 +635,7 @@
           <a:p>
             <a:fld id="{E6DB145F-63AD-48FA-A2DA-0CB78BFEA9BC}" type="datetimeFigureOut">
               <a:rPr lang="ko-KR" altLang="en-US" smtClean="0"/>
+              <a:pPr/>
               <a:t>2025-11-12</a:t>
             </a:fld>
             <a:endParaRPr lang="ko-KR" altLang="en-US"/>
@@ -673,6 +678,7 @@
           <a:p>
             <a:fld id="{CCB90844-E3C8-42BC-A8E7-AB60A439DC68}" type="slidenum">
               <a:rPr lang="ko-KR" altLang="en-US" smtClean="0"/>
+              <a:pPr/>
               <a:t>‹#›</a:t>
             </a:fld>
             <a:endParaRPr lang="ko-KR" altLang="en-US"/>
@@ -796,6 +802,7 @@
           <a:p>
             <a:fld id="{E6DB145F-63AD-48FA-A2DA-0CB78BFEA9BC}" type="datetimeFigureOut">
               <a:rPr lang="ko-KR" altLang="en-US" smtClean="0"/>
+              <a:pPr/>
               <a:t>2025-11-12</a:t>
             </a:fld>
             <a:endParaRPr lang="ko-KR" altLang="en-US"/>
@@ -838,6 +845,7 @@
           <a:p>
             <a:fld id="{CCB90844-E3C8-42BC-A8E7-AB60A439DC68}" type="slidenum">
               <a:rPr lang="ko-KR" altLang="en-US" smtClean="0"/>
+              <a:pPr/>
               <a:t>‹#›</a:t>
             </a:fld>
             <a:endParaRPr lang="ko-KR" altLang="en-US"/>
@@ -1037,6 +1045,7 @@
           <a:p>
             <a:fld id="{E6DB145F-63AD-48FA-A2DA-0CB78BFEA9BC}" type="datetimeFigureOut">
               <a:rPr lang="ko-KR" altLang="en-US" smtClean="0"/>
+              <a:pPr/>
               <a:t>2025-11-12</a:t>
             </a:fld>
             <a:endParaRPr lang="ko-KR" altLang="en-US"/>
@@ -1079,6 +1088,7 @@
           <a:p>
             <a:fld id="{CCB90844-E3C8-42BC-A8E7-AB60A439DC68}" type="slidenum">
               <a:rPr lang="ko-KR" altLang="en-US" smtClean="0"/>
+              <a:pPr/>
               <a:t>‹#›</a:t>
             </a:fld>
             <a:endParaRPr lang="ko-KR" altLang="en-US"/>
@@ -1320,6 +1330,7 @@
           <a:p>
             <a:fld id="{E6DB145F-63AD-48FA-A2DA-0CB78BFEA9BC}" type="datetimeFigureOut">
               <a:rPr lang="ko-KR" altLang="en-US" smtClean="0"/>
+              <a:pPr/>
               <a:t>2025-11-12</a:t>
             </a:fld>
             <a:endParaRPr lang="ko-KR" altLang="en-US"/>
@@ -1362,6 +1373,7 @@
           <a:p>
             <a:fld id="{CCB90844-E3C8-42BC-A8E7-AB60A439DC68}" type="slidenum">
               <a:rPr lang="ko-KR" altLang="en-US" smtClean="0"/>
+              <a:pPr/>
               <a:t>‹#›</a:t>
             </a:fld>
             <a:endParaRPr lang="ko-KR" altLang="en-US"/>
@@ -1737,6 +1749,7 @@
           <a:p>
             <a:fld id="{E6DB145F-63AD-48FA-A2DA-0CB78BFEA9BC}" type="datetimeFigureOut">
               <a:rPr lang="ko-KR" altLang="en-US" smtClean="0"/>
+              <a:pPr/>
               <a:t>2025-11-12</a:t>
             </a:fld>
             <a:endParaRPr lang="ko-KR" altLang="en-US"/>
@@ -1779,6 +1792,7 @@
           <a:p>
             <a:fld id="{CCB90844-E3C8-42BC-A8E7-AB60A439DC68}" type="slidenum">
               <a:rPr lang="ko-KR" altLang="en-US" smtClean="0"/>
+              <a:pPr/>
               <a:t>‹#›</a:t>
             </a:fld>
             <a:endParaRPr lang="ko-KR" altLang="en-US"/>
@@ -1850,6 +1864,7 @@
           <a:p>
             <a:fld id="{E6DB145F-63AD-48FA-A2DA-0CB78BFEA9BC}" type="datetimeFigureOut">
               <a:rPr lang="ko-KR" altLang="en-US" smtClean="0"/>
+              <a:pPr/>
               <a:t>2025-11-12</a:t>
             </a:fld>
             <a:endParaRPr lang="ko-KR" altLang="en-US"/>
@@ -1892,6 +1907,7 @@
           <a:p>
             <a:fld id="{CCB90844-E3C8-42BC-A8E7-AB60A439DC68}" type="slidenum">
               <a:rPr lang="ko-KR" altLang="en-US" smtClean="0"/>
+              <a:pPr/>
               <a:t>‹#›</a:t>
             </a:fld>
             <a:endParaRPr lang="ko-KR" altLang="en-US"/>
@@ -1940,6 +1956,7 @@
           <a:p>
             <a:fld id="{E6DB145F-63AD-48FA-A2DA-0CB78BFEA9BC}" type="datetimeFigureOut">
               <a:rPr lang="ko-KR" altLang="en-US" smtClean="0"/>
+              <a:pPr/>
               <a:t>2025-11-12</a:t>
             </a:fld>
             <a:endParaRPr lang="ko-KR" altLang="en-US"/>
@@ -1982,6 +1999,7 @@
           <a:p>
             <a:fld id="{CCB90844-E3C8-42BC-A8E7-AB60A439DC68}" type="slidenum">
               <a:rPr lang="ko-KR" altLang="en-US" smtClean="0"/>
+              <a:pPr/>
               <a:t>‹#›</a:t>
             </a:fld>
             <a:endParaRPr lang="ko-KR" altLang="en-US"/>
@@ -2212,6 +2230,7 @@
           <a:p>
             <a:fld id="{E6DB145F-63AD-48FA-A2DA-0CB78BFEA9BC}" type="datetimeFigureOut">
               <a:rPr lang="ko-KR" altLang="en-US" smtClean="0"/>
+              <a:pPr/>
               <a:t>2025-11-12</a:t>
             </a:fld>
             <a:endParaRPr lang="ko-KR" altLang="en-US"/>
@@ -2254,6 +2273,7 @@
           <a:p>
             <a:fld id="{CCB90844-E3C8-42BC-A8E7-AB60A439DC68}" type="slidenum">
               <a:rPr lang="ko-KR" altLang="en-US" smtClean="0"/>
+              <a:pPr/>
               <a:t>‹#›</a:t>
             </a:fld>
             <a:endParaRPr lang="ko-KR" altLang="en-US"/>
@@ -2460,6 +2480,7 @@
           <a:p>
             <a:fld id="{E6DB145F-63AD-48FA-A2DA-0CB78BFEA9BC}" type="datetimeFigureOut">
               <a:rPr lang="ko-KR" altLang="en-US" smtClean="0"/>
+              <a:pPr/>
               <a:t>2025-11-12</a:t>
             </a:fld>
             <a:endParaRPr lang="ko-KR" altLang="en-US"/>
@@ -2502,6 +2523,7 @@
           <a:p>
             <a:fld id="{CCB90844-E3C8-42BC-A8E7-AB60A439DC68}" type="slidenum">
               <a:rPr lang="ko-KR" altLang="en-US" smtClean="0"/>
+              <a:pPr/>
               <a:t>‹#›</a:t>
             </a:fld>
             <a:endParaRPr lang="ko-KR" altLang="en-US"/>
@@ -2668,6 +2690,7 @@
           <a:p>
             <a:fld id="{E6DB145F-63AD-48FA-A2DA-0CB78BFEA9BC}" type="datetimeFigureOut">
               <a:rPr lang="ko-KR" altLang="en-US" smtClean="0"/>
+              <a:pPr/>
               <a:t>2025-11-12</a:t>
             </a:fld>
             <a:endParaRPr lang="ko-KR" altLang="en-US"/>
@@ -2746,6 +2769,7 @@
           <a:p>
             <a:fld id="{CCB90844-E3C8-42BC-A8E7-AB60A439DC68}" type="slidenum">
               <a:rPr lang="ko-KR" altLang="en-US" smtClean="0"/>
+              <a:pPr/>
               <a:t>‹#›</a:t>
             </a:fld>
             <a:endParaRPr lang="ko-KR" altLang="en-US"/>
@@ -4160,6 +4184,30 @@
                     <a:lstStyle/>
                     <a:p>
                       <a:pPr latinLnBrk="1"/>
+                      <a:r>
+                        <a:rPr lang="en-US" altLang="ko-KR" dirty="0" smtClean="0"/>
+                        <a:t>70%    </a:t>
+                      </a:r>
+                      <a:r>
+                        <a:rPr lang="ko-KR" altLang="en-US" dirty="0" smtClean="0"/>
+                        <a:t>기본공격 </a:t>
+                      </a:r>
+                      <a:r>
+                        <a:rPr lang="en-US" altLang="ko-KR" dirty="0" smtClean="0"/>
+                        <a:t>2</a:t>
+                      </a:r>
+                      <a:r>
+                        <a:rPr lang="ko-KR" altLang="en-US" dirty="0" smtClean="0"/>
+                        <a:t>종 추가</a:t>
+                      </a:r>
+                      <a:r>
+                        <a:rPr lang="en-US" altLang="ko-KR" dirty="0" smtClean="0"/>
+                        <a:t>/</a:t>
+                      </a:r>
+                      <a:r>
+                        <a:rPr lang="ko-KR" altLang="en-US" dirty="0" smtClean="0"/>
+                        <a:t>히트박스 구현 중</a:t>
+                      </a:r>
                       <a:endParaRPr lang="ko-KR" altLang="en-US" dirty="0"/>
                     </a:p>
                   </a:txBody>

--- a/2D 격투 RPG-2차.pptx
+++ b/2D 격투 RPG-2차.pptx
@@ -9,6 +9,7 @@
     <p:sldId id="257" r:id="rId3"/>
     <p:sldId id="258" r:id="rId4"/>
     <p:sldId id="259" r:id="rId5"/>
+    <p:sldId id="260" r:id="rId6"/>
   </p:sldIdLst>
   <p:sldSz cx="9144000" cy="6858000" type="screen4x3"/>
   <p:notesSz cx="6858000" cy="9144000"/>
@@ -4218,6 +4219,64 @@
           </a:graphicData>
         </a:graphic>
       </p:graphicFrame>
+    </p:spTree>
+  </p:cSld>
+  <p:clrMapOvr>
+    <a:masterClrMapping/>
+  </p:clrMapOvr>
+</p:sld>
+</file>
+
+<file path=ppt/slides/slide5.xml><?xml version="1.0" encoding="utf-8"?>
+<p:sld xmlns:a="http://schemas.openxmlformats.org/drawingml/2006/main" xmlns:r="http://schemas.openxmlformats.org/officeDocument/2006/relationships" xmlns:p="http://schemas.openxmlformats.org/presentationml/2006/main">
+  <p:cSld>
+    <p:spTree>
+      <p:nvGrpSpPr>
+        <p:cNvPr id="1" name=""/>
+        <p:cNvGrpSpPr/>
+        <p:nvPr/>
+      </p:nvGrpSpPr>
+      <p:grpSpPr>
+        <a:xfrm>
+          <a:off x="0" y="0"/>
+          <a:ext cx="0" cy="0"/>
+          <a:chOff x="0" y="0"/>
+          <a:chExt cx="0" cy="0"/>
+        </a:xfrm>
+      </p:grpSpPr>
+      <p:pic>
+        <p:nvPicPr>
+          <p:cNvPr id="1026" name="Picture 2"/>
+          <p:cNvPicPr>
+            <a:picLocks noChangeAspect="1" noChangeArrowheads="1"/>
+          </p:cNvPicPr>
+          <p:nvPr/>
+        </p:nvPicPr>
+        <p:blipFill>
+          <a:blip r:embed="rId2"/>
+          <a:srcRect/>
+          <a:stretch>
+            <a:fillRect/>
+          </a:stretch>
+        </p:blipFill>
+        <p:spPr bwMode="auto">
+          <a:xfrm>
+            <a:off x="428596" y="1000108"/>
+            <a:ext cx="8446818" cy="5000660"/>
+          </a:xfrm>
+          <a:prstGeom prst="rect">
+            <a:avLst/>
+          </a:prstGeom>
+          <a:noFill/>
+          <a:ln w="9525">
+            <a:noFill/>
+            <a:miter lim="800000"/>
+            <a:headEnd/>
+            <a:tailEnd/>
+          </a:ln>
+          <a:effectLst/>
+        </p:spPr>
+      </p:pic>
     </p:spTree>
   </p:cSld>
   <p:clrMapOvr>

--- a/2D 격투 RPG-2차.pptx
+++ b/2D 격투 RPG-2차.pptx
@@ -3145,6 +3145,13 @@
   <p:clrMapOvr>
     <a:masterClrMapping/>
   </p:clrMapOvr>
+  <p:timing>
+    <p:tnLst>
+      <p:par>
+        <p:cTn id="1" dur="indefinite" restart="never" nodeType="tmRoot"/>
+      </p:par>
+    </p:tnLst>
+  </p:timing>
 </p:sld>
 </file>
 
@@ -3410,6 +3417,13 @@
   <p:clrMapOvr>
     <a:masterClrMapping/>
   </p:clrMapOvr>
+  <p:timing>
+    <p:tnLst>
+      <p:par>
+        <p:cTn id="1" dur="indefinite" restart="never" nodeType="tmRoot"/>
+      </p:par>
+    </p:tnLst>
+  </p:timing>
 </p:sld>
 </file>
 
@@ -3785,6 +3799,13 @@
   <p:clrMapOvr>
     <a:masterClrMapping/>
   </p:clrMapOvr>
+  <p:timing>
+    <p:tnLst>
+      <p:par>
+        <p:cTn id="1" dur="indefinite" restart="never" nodeType="tmRoot"/>
+      </p:par>
+    </p:tnLst>
+  </p:timing>
 </p:sld>
 </file>
 
@@ -3815,7 +3836,7 @@
         </p:nvGraphicFramePr>
         <p:xfrm>
           <a:off x="571472" y="642918"/>
-          <a:ext cx="7262842" cy="4032264"/>
+          <a:ext cx="7262842" cy="4168311"/>
         </p:xfrm>
         <a:graphic>
           <a:graphicData uri="http://schemas.openxmlformats.org/drawingml/2006/table">
@@ -4203,7 +4224,22 @@
                       </a:r>
                       <a:r>
                         <a:rPr lang="en-US" altLang="ko-KR" dirty="0" smtClean="0"/>
-                        <a:t>/</a:t>
+                        <a:t>(</a:t>
+                      </a:r>
+                      <a:r>
+                        <a:rPr lang="ko-KR" altLang="en-US" dirty="0" smtClean="0"/>
+                        <a:t>프레임 워크 추가</a:t>
+                      </a:r>
+                      <a:r>
+                        <a:rPr lang="en-US" altLang="ko-KR" dirty="0" smtClean="0"/>
+                        <a:t>)/</a:t>
+                      </a:r>
+                    </a:p>
+                    <a:p>
+                      <a:pPr latinLnBrk="1"/>
+                      <a:r>
+                        <a:rPr lang="en-US" altLang="ko-KR" dirty="0" smtClean="0"/>
+                        <a:t>          </a:t>
                       </a:r>
                       <a:r>
                         <a:rPr lang="ko-KR" altLang="en-US" dirty="0" smtClean="0"/>
@@ -4224,6 +4260,13 @@
   <p:clrMapOvr>
     <a:masterClrMapping/>
   </p:clrMapOvr>
+  <p:timing>
+    <p:tnLst>
+      <p:par>
+        <p:cTn id="1" dur="indefinite" restart="never" nodeType="tmRoot"/>
+      </p:par>
+    </p:tnLst>
+  </p:timing>
 </p:sld>
 </file>
 
@@ -4282,6 +4325,13 @@
   <p:clrMapOvr>
     <a:masterClrMapping/>
   </p:clrMapOvr>
+  <p:timing>
+    <p:tnLst>
+      <p:par>
+        <p:cTn id="1" dur="indefinite" restart="never" nodeType="tmRoot"/>
+      </p:par>
+    </p:tnLst>
+  </p:timing>
 </p:sld>
 </file>
 
